--- a/02-Thu thập dữ liệu với Selenium/Selenium.pptx
+++ b/02-Thu thập dữ liệu với Selenium/Selenium.pptx
@@ -984,7 +984,7 @@
           <a:p>
             <a:fld id="{B3C0B0CB-CD37-4AAA-B298-ED704BD9A63E}" type="datetimeFigureOut">
               <a:rPr lang="en-US" smtClean="0"/>
-              <a:t>06/10</a:t>
+              <a:t>07/10</a:t>
             </a:fld>
             <a:endParaRPr lang="en-US"/>
           </a:p>
@@ -1538,7 +1538,7 @@
           <a:p>
             <a:fld id="{356629C6-59FD-4490-AD1F-27A247F68801}" type="datetimeFigureOut">
               <a:rPr lang="en-US" smtClean="0"/>
-              <a:t>06/10</a:t>
+              <a:t>07/10</a:t>
             </a:fld>
             <a:endParaRPr lang="en-US"/>
           </a:p>
@@ -1736,7 +1736,7 @@
           <a:p>
             <a:fld id="{356629C6-59FD-4490-AD1F-27A247F68801}" type="datetimeFigureOut">
               <a:rPr lang="en-US" smtClean="0"/>
-              <a:t>06/10</a:t>
+              <a:t>07/10</a:t>
             </a:fld>
             <a:endParaRPr lang="en-US"/>
           </a:p>
@@ -1944,7 +1944,7 @@
           <a:p>
             <a:fld id="{356629C6-59FD-4490-AD1F-27A247F68801}" type="datetimeFigureOut">
               <a:rPr lang="en-US" smtClean="0"/>
-              <a:t>06/10</a:t>
+              <a:t>07/10</a:t>
             </a:fld>
             <a:endParaRPr lang="en-US"/>
           </a:p>
@@ -2142,7 +2142,7 @@
           <a:p>
             <a:fld id="{356629C6-59FD-4490-AD1F-27A247F68801}" type="datetimeFigureOut">
               <a:rPr lang="en-US" smtClean="0"/>
-              <a:t>06/10</a:t>
+              <a:t>07/10</a:t>
             </a:fld>
             <a:endParaRPr lang="en-US"/>
           </a:p>
@@ -2417,7 +2417,7 @@
           <a:p>
             <a:fld id="{356629C6-59FD-4490-AD1F-27A247F68801}" type="datetimeFigureOut">
               <a:rPr lang="en-US" smtClean="0"/>
-              <a:t>06/10</a:t>
+              <a:t>07/10</a:t>
             </a:fld>
             <a:endParaRPr lang="en-US"/>
           </a:p>
@@ -2682,7 +2682,7 @@
           <a:p>
             <a:fld id="{356629C6-59FD-4490-AD1F-27A247F68801}" type="datetimeFigureOut">
               <a:rPr lang="en-US" smtClean="0"/>
-              <a:t>06/10</a:t>
+              <a:t>07/10</a:t>
             </a:fld>
             <a:endParaRPr lang="en-US"/>
           </a:p>
@@ -3094,7 +3094,7 @@
           <a:p>
             <a:fld id="{356629C6-59FD-4490-AD1F-27A247F68801}" type="datetimeFigureOut">
               <a:rPr lang="en-US" smtClean="0"/>
-              <a:t>06/10</a:t>
+              <a:t>07/10</a:t>
             </a:fld>
             <a:endParaRPr lang="en-US"/>
           </a:p>
@@ -3235,7 +3235,7 @@
           <a:p>
             <a:fld id="{356629C6-59FD-4490-AD1F-27A247F68801}" type="datetimeFigureOut">
               <a:rPr lang="en-US" smtClean="0"/>
-              <a:t>06/10</a:t>
+              <a:t>07/10</a:t>
             </a:fld>
             <a:endParaRPr lang="en-US"/>
           </a:p>
@@ -3348,7 +3348,7 @@
           <a:p>
             <a:fld id="{356629C6-59FD-4490-AD1F-27A247F68801}" type="datetimeFigureOut">
               <a:rPr lang="en-US" smtClean="0"/>
-              <a:t>06/10</a:t>
+              <a:t>07/10</a:t>
             </a:fld>
             <a:endParaRPr lang="en-US"/>
           </a:p>
@@ -3659,7 +3659,7 @@
           <a:p>
             <a:fld id="{356629C6-59FD-4490-AD1F-27A247F68801}" type="datetimeFigureOut">
               <a:rPr lang="en-US" smtClean="0"/>
-              <a:t>06/10</a:t>
+              <a:t>07/10</a:t>
             </a:fld>
             <a:endParaRPr lang="en-US"/>
           </a:p>
@@ -3947,7 +3947,7 @@
           <a:p>
             <a:fld id="{356629C6-59FD-4490-AD1F-27A247F68801}" type="datetimeFigureOut">
               <a:rPr lang="en-US" smtClean="0"/>
-              <a:t>06/10</a:t>
+              <a:t>07/10</a:t>
             </a:fld>
             <a:endParaRPr lang="en-US"/>
           </a:p>
@@ -4188,7 +4188,7 @@
           <a:p>
             <a:fld id="{356629C6-59FD-4490-AD1F-27A247F68801}" type="datetimeFigureOut">
               <a:rPr lang="en-US" smtClean="0"/>
-              <a:t>06/10</a:t>
+              <a:t>07/10</a:t>
             </a:fld>
             <a:endParaRPr lang="en-US"/>
           </a:p>
